--- a/inst/pax_logo/r_pax.pptx
+++ b/inst/pax_logo/r_pax.pptx
@@ -7,6 +7,7 @@
   <p:sldIdLst>
     <p:sldId id="257" r:id="rId2"/>
     <p:sldId id="258" r:id="rId3"/>
+    <p:sldId id="260" r:id="rId4"/>
   </p:sldIdLst>
   <p:sldSz cx="12192000" cy="6858000"/>
   <p:notesSz cx="6858000" cy="9144000"/>
@@ -3101,9 +3102,9 @@
         </p:nvGrpSpPr>
         <p:grpSpPr>
           <a:xfrm>
-            <a:off x="3469973" y="1864359"/>
+            <a:off x="3469971" y="1622030"/>
             <a:ext cx="3428667" cy="3428667"/>
-            <a:chOff x="3469973" y="1864359"/>
+            <a:chOff x="3469971" y="1622030"/>
             <a:chExt cx="3428667" cy="3428667"/>
           </a:xfrm>
         </p:grpSpPr>
@@ -3136,7 +3137,7 @@
           </p:blipFill>
           <p:spPr>
             <a:xfrm>
-              <a:off x="3469973" y="1864359"/>
+              <a:off x="3469971" y="1622030"/>
               <a:ext cx="3428667" cy="3428667"/>
             </a:xfrm>
             <a:prstGeom prst="rect">
@@ -3152,7 +3153,7 @@
           </p:nvSpPr>
           <p:spPr>
             <a:xfrm>
-              <a:off x="4837679" y="1864359"/>
+              <a:off x="4837677" y="1622030"/>
               <a:ext cx="693253" cy="1569660"/>
             </a:xfrm>
             <a:prstGeom prst="rect">
@@ -3166,6 +3167,7 @@
             </a:bodyPr>
             <a:lstStyle/>
             <a:p>
+              <a:pPr algn="ctr"/>
               <a:r>
                 <a:rPr lang="en-US" sz="9600" b="1" spc="50" dirty="0" smtClean="0">
                   <a:ln w="0"/>
@@ -3206,7 +3208,7 @@
           </p:nvSpPr>
           <p:spPr>
             <a:xfrm>
-              <a:off x="4734560" y="3649751"/>
+              <a:off x="4837677" y="3406687"/>
               <a:ext cx="690880" cy="1569660"/>
             </a:xfrm>
             <a:prstGeom prst="rect">
@@ -3220,6 +3222,7 @@
             </a:bodyPr>
             <a:lstStyle/>
             <a:p>
+              <a:pPr algn="ctr"/>
               <a:r>
                 <a:rPr lang="en-US" sz="9600" b="1" spc="50" dirty="0" smtClean="0">
                   <a:ln w="0"/>
@@ -3257,6 +3260,198 @@
     <p:extLst>
       <p:ext uri="{BB962C8B-B14F-4D97-AF65-F5344CB8AC3E}">
         <p14:creationId xmlns:p14="http://schemas.microsoft.com/office/powerpoint/2010/main" val="4184968499"/>
+      </p:ext>
+    </p:extLst>
+  </p:cSld>
+  <p:clrMapOvr>
+    <a:masterClrMapping/>
+  </p:clrMapOvr>
+</p:sld>
+</file>
+
+<file path=ppt/slides/slide3.xml><?xml version="1.0" encoding="utf-8"?>
+<p:sld xmlns:a="http://schemas.openxmlformats.org/drawingml/2006/main" xmlns:r="http://schemas.openxmlformats.org/officeDocument/2006/relationships" xmlns:p="http://schemas.openxmlformats.org/presentationml/2006/main">
+  <p:cSld>
+    <p:spTree>
+      <p:nvGrpSpPr>
+        <p:cNvPr id="1" name=""/>
+        <p:cNvGrpSpPr/>
+        <p:nvPr/>
+      </p:nvGrpSpPr>
+      <p:grpSpPr>
+        <a:xfrm>
+          <a:off x="0" y="0"/>
+          <a:ext cx="0" cy="0"/>
+          <a:chOff x="0" y="0"/>
+          <a:chExt cx="0" cy="0"/>
+        </a:xfrm>
+      </p:grpSpPr>
+      <p:grpSp>
+        <p:nvGrpSpPr>
+          <p:cNvPr id="7" name="Group 6"/>
+          <p:cNvGrpSpPr/>
+          <p:nvPr/>
+        </p:nvGrpSpPr>
+        <p:grpSpPr>
+          <a:xfrm>
+            <a:off x="3416705" y="1657541"/>
+            <a:ext cx="3428667" cy="3428667"/>
+            <a:chOff x="3469971" y="1622030"/>
+            <a:chExt cx="3428667" cy="3428667"/>
+          </a:xfrm>
+        </p:grpSpPr>
+        <p:pic>
+          <p:nvPicPr>
+            <p:cNvPr id="2" name="Picture 1"/>
+            <p:cNvPicPr>
+              <a:picLocks noChangeAspect="1"/>
+            </p:cNvPicPr>
+            <p:nvPr/>
+          </p:nvPicPr>
+          <p:blipFill>
+            <a:blip r:embed="rId2">
+              <a:duotone>
+                <a:prstClr val="black"/>
+                <a:srgbClr val="D9C3A5">
+                  <a:tint val="50000"/>
+                  <a:satMod val="180000"/>
+                </a:srgbClr>
+              </a:duotone>
+              <a:extLst>
+                <a:ext uri="{28A0092B-C50C-407E-A947-70E740481C1C}">
+                  <a14:useLocalDpi xmlns:a14="http://schemas.microsoft.com/office/drawing/2010/main" val="0"/>
+                </a:ext>
+              </a:extLst>
+            </a:blip>
+            <a:stretch>
+              <a:fillRect/>
+            </a:stretch>
+          </p:blipFill>
+          <p:spPr>
+            <a:xfrm>
+              <a:off x="3469971" y="1622030"/>
+              <a:ext cx="3428667" cy="3428667"/>
+            </a:xfrm>
+            <a:prstGeom prst="rect">
+              <a:avLst/>
+            </a:prstGeom>
+          </p:spPr>
+        </p:pic>
+        <p:sp>
+          <p:nvSpPr>
+            <p:cNvPr id="3" name="TextBox 2"/>
+            <p:cNvSpPr txBox="1"/>
+            <p:nvPr/>
+          </p:nvSpPr>
+          <p:spPr>
+            <a:xfrm>
+              <a:off x="4837677" y="1622030"/>
+              <a:ext cx="693253" cy="1569660"/>
+            </a:xfrm>
+            <a:prstGeom prst="rect">
+              <a:avLst/>
+            </a:prstGeom>
+            <a:noFill/>
+          </p:spPr>
+          <p:txBody>
+            <a:bodyPr wrap="square" rtlCol="0">
+              <a:spAutoFit/>
+            </a:bodyPr>
+            <a:lstStyle/>
+            <a:p>
+              <a:pPr algn="ctr"/>
+              <a:r>
+                <a:rPr lang="en-US" sz="9600" b="1" spc="50" dirty="0" smtClean="0">
+                  <a:ln w="0"/>
+                  <a:solidFill>
+                    <a:schemeClr val="bg1"/>
+                  </a:solidFill>
+                  <a:effectLst>
+                    <a:innerShdw blurRad="63500" dist="50800" dir="13500000">
+                      <a:srgbClr val="000000">
+                        <a:alpha val="50000"/>
+                      </a:srgbClr>
+                    </a:innerShdw>
+                  </a:effectLst>
+                </a:rPr>
+                <a:t>P</a:t>
+              </a:r>
+              <a:r>
+                <a:rPr lang="en-US" sz="5400" dirty="0" smtClean="0">
+                  <a:solidFill>
+                    <a:schemeClr val="bg1"/>
+                  </a:solidFill>
+                </a:rPr>
+                <a:t> </a:t>
+              </a:r>
+              <a:endParaRPr lang="en-US" sz="5400" dirty="0">
+                <a:solidFill>
+                  <a:schemeClr val="bg1"/>
+                </a:solidFill>
+              </a:endParaRPr>
+            </a:p>
+          </p:txBody>
+        </p:sp>
+        <p:sp>
+          <p:nvSpPr>
+            <p:cNvPr id="5" name="TextBox 4"/>
+            <p:cNvSpPr txBox="1"/>
+            <p:nvPr/>
+          </p:nvSpPr>
+          <p:spPr>
+            <a:xfrm>
+              <a:off x="4837677" y="3406687"/>
+              <a:ext cx="690880" cy="1569660"/>
+            </a:xfrm>
+            <a:prstGeom prst="rect">
+              <a:avLst/>
+            </a:prstGeom>
+            <a:noFill/>
+          </p:spPr>
+          <p:txBody>
+            <a:bodyPr wrap="square" rtlCol="0">
+              <a:spAutoFit/>
+            </a:bodyPr>
+            <a:lstStyle/>
+            <a:p>
+              <a:pPr algn="ctr"/>
+              <a:r>
+                <a:rPr lang="en-US" sz="9600" b="1" spc="50" dirty="0" smtClean="0">
+                  <a:ln w="0"/>
+                  <a:solidFill>
+                    <a:schemeClr val="bg1"/>
+                  </a:solidFill>
+                  <a:effectLst>
+                    <a:innerShdw blurRad="63500" dist="50800" dir="13500000">
+                      <a:srgbClr val="000000">
+                        <a:alpha val="50000"/>
+                      </a:srgbClr>
+                    </a:innerShdw>
+                  </a:effectLst>
+                </a:rPr>
+                <a:t>A</a:t>
+              </a:r>
+              <a:r>
+                <a:rPr lang="en-US" sz="5400" dirty="0" smtClean="0">
+                  <a:solidFill>
+                    <a:schemeClr val="bg1"/>
+                  </a:solidFill>
+                </a:rPr>
+                <a:t> </a:t>
+              </a:r>
+              <a:endParaRPr lang="en-US" sz="5400" dirty="0">
+                <a:solidFill>
+                  <a:schemeClr val="bg1"/>
+                </a:solidFill>
+              </a:endParaRPr>
+            </a:p>
+          </p:txBody>
+        </p:sp>
+      </p:grpSp>
+    </p:spTree>
+    <p:extLst>
+      <p:ext uri="{BB962C8B-B14F-4D97-AF65-F5344CB8AC3E}">
+        <p14:creationId xmlns:p14="http://schemas.microsoft.com/office/powerpoint/2010/main" val="1782190732"/>
       </p:ext>
     </p:extLst>
   </p:cSld>
